--- a/Example.pptx
+++ b/Example.pptx
@@ -186,7 +186,7 @@
         </p:nvSpPr>
         <p:spPr>
           <a:xfrm>
-            <a:off x="-377887" y="-64488"/>
+            <a:off x="-88636" y="-64488"/>
             <a:ext cx="12947775" cy="6986977"/>
           </a:xfrm>
           <a:prstGeom prst="rect">
@@ -605,7 +605,7 @@
           <a:p>
             <a:fld id="{0F14B78F-A2E0-4A13-B0D5-A31962E3FD0D}" type="datetimeFigureOut">
               <a:rPr lang="de-DE" smtClean="0"/>
-              <a:t>19.02.2022</a:t>
+              <a:t>20.03.2022</a:t>
             </a:fld>
             <a:endParaRPr lang="de-DE"/>
           </a:p>
@@ -1348,10 +1348,10 @@
         </p:nvGrpSpPr>
         <p:grpSpPr>
           <a:xfrm>
-            <a:off x="8562480" y="0"/>
-            <a:ext cx="3629520" cy="1173702"/>
-            <a:chOff x="8436998" y="-2"/>
-            <a:chExt cx="3629520" cy="1173702"/>
+            <a:off x="7486866" y="0"/>
+            <a:ext cx="4705134" cy="1173702"/>
+            <a:chOff x="7361384" y="-2"/>
+            <a:chExt cx="4705134" cy="1173702"/>
           </a:xfrm>
         </p:grpSpPr>
         <p:grpSp>
@@ -1368,10 +1368,10 @@
           </p:nvGrpSpPr>
           <p:grpSpPr>
             <a:xfrm>
-              <a:off x="8436998" y="-2"/>
-              <a:ext cx="3629520" cy="1173702"/>
-              <a:chOff x="8436998" y="-2"/>
-              <a:chExt cx="3629520" cy="1173702"/>
+              <a:off x="7361384" y="-2"/>
+              <a:ext cx="4705134" cy="1173702"/>
+              <a:chOff x="7361384" y="-2"/>
+              <a:chExt cx="4705134" cy="1173702"/>
             </a:xfrm>
           </p:grpSpPr>
           <p:sp>
@@ -1388,8 +1388,8 @@
             </p:nvSpPr>
             <p:spPr>
               <a:xfrm>
-                <a:off x="8436998" y="-2"/>
-                <a:ext cx="3629520" cy="923330"/>
+                <a:off x="7361384" y="-2"/>
+                <a:ext cx="4705134" cy="923330"/>
               </a:xfrm>
               <a:prstGeom prst="rect">
                 <a:avLst/>
@@ -1412,7 +1412,7 @@
                     </a:solidFill>
                     <a:latin typeface="Impact" panose="020B0806030902050204" pitchFamily="34" charset="0"/>
                   </a:rPr>
-                  <a:t>{{Grouped}}</a:t>
+                  <a:t>{{InsideGroup}}</a:t>
                 </a:r>
               </a:p>
             </p:txBody>
@@ -1541,8 +1541,8 @@
         </p:nvSpPr>
         <p:spPr>
           <a:xfrm>
-            <a:off x="1743976" y="2967335"/>
-            <a:ext cx="8704049" cy="923330"/>
+            <a:off x="2870606" y="2967335"/>
+            <a:ext cx="6450804" cy="923330"/>
           </a:xfrm>
         </p:spPr>
         <p:txBody>
@@ -1551,7 +1551,7 @@
           <a:p>
             <a:r>
               <a:rPr lang="de-DE"/>
-              <a:t>{{CenteredPlaceholder}}</a:t>
+              <a:t>{{InsidePlaceholder}}</a:t>
             </a:r>
           </a:p>
         </p:txBody>
